--- a/Project Idea.pptx
+++ b/Project Idea.pptx
@@ -3901,25 +3901,58 @@
             </a:r>
             <a:r>
               <a:rPr lang="en-US" dirty="0" smtClean="0"/>
-              <a:t> Rahman</a:t>
+              <a:t> Rahman   	        2. Name: Mir Sadia Afrin</a:t>
             </a:r>
           </a:p>
           <a:p>
             <a:r>
               <a:rPr lang="en-US" dirty="0" smtClean="0"/>
-              <a:t>    ID: 1812901042</a:t>
-            </a:r>
-          </a:p>
-          <a:p>
+              <a:t>    </a:t>
+            </a:r>
             <a:r>
               <a:rPr lang="en-US" dirty="0" smtClean="0"/>
-              <a:t>				Course: CSE499A</a:t>
-            </a:r>
-          </a:p>
-          <a:p>
+              <a:t>ID: </a:t>
+            </a:r>
             <a:r>
               <a:rPr lang="en-US" dirty="0" smtClean="0"/>
-              <a:t>				Section: 12</a:t>
+              <a:t>1812901042			ID: 1712366642	</a:t>
+            </a:r>
+            <a:endParaRPr lang="en-US" dirty="0" smtClean="0"/>
+          </a:p>
+          <a:p>
+            <a:r>
+              <a:rPr lang="en-US" dirty="0"/>
+              <a:t> </a:t>
+            </a:r>
+            <a:r>
+              <a:rPr lang="en-US" dirty="0" smtClean="0"/>
+              <a:t>   </a:t>
+            </a:r>
+            <a:r>
+              <a:rPr lang="en-US" dirty="0" smtClean="0"/>
+              <a:t>Course</a:t>
+            </a:r>
+            <a:r>
+              <a:rPr lang="en-US" dirty="0" smtClean="0"/>
+              <a:t>: CSE499A</a:t>
+            </a:r>
+          </a:p>
+          <a:p>
+            <a:r>
+              <a:rPr lang="en-US" dirty="0"/>
+              <a:t> </a:t>
+            </a:r>
+            <a:r>
+              <a:rPr lang="en-US" dirty="0" smtClean="0"/>
+              <a:t>   </a:t>
+            </a:r>
+            <a:r>
+              <a:rPr lang="en-US" dirty="0" smtClean="0"/>
+              <a:t>Section</a:t>
+            </a:r>
+            <a:r>
+              <a:rPr lang="en-US" dirty="0" smtClean="0"/>
+              <a:t>: 12</a:t>
             </a:r>
             <a:endParaRPr lang="en-US" dirty="0"/>
           </a:p>
@@ -3934,7 +3967,7 @@
         <p:spPr>
           <a:xfrm>
             <a:off x="1261872" y="5646420"/>
-            <a:ext cx="4495800" cy="1477328"/>
+            <a:ext cx="4495800" cy="493853"/>
           </a:xfrm>
           <a:prstGeom prst="rect">
             <a:avLst/>
@@ -3946,57 +3979,6 @@
             <a:spAutoFit/>
           </a:bodyPr>
           <a:lstStyle/>
-          <a:p>
-            <a:pPr>
-              <a:lnSpc>
-                <a:spcPct val="150000"/>
-              </a:lnSpc>
-            </a:pPr>
-            <a:r>
-              <a:rPr lang="en-US" sz="2000" dirty="0" smtClean="0">
-                <a:solidFill>
-                  <a:schemeClr val="tx1">
-                    <a:lumMod val="75000"/>
-                  </a:schemeClr>
-                </a:solidFill>
-              </a:rPr>
-              <a:t>2. Name: Mir Sadia Afrin</a:t>
-            </a:r>
-          </a:p>
-          <a:p>
-            <a:pPr>
-              <a:lnSpc>
-                <a:spcPct val="150000"/>
-              </a:lnSpc>
-            </a:pPr>
-            <a:r>
-              <a:rPr lang="en-US" sz="2000" dirty="0" smtClean="0">
-                <a:solidFill>
-                  <a:schemeClr val="tx1">
-                    <a:lumMod val="75000"/>
-                  </a:schemeClr>
-                </a:solidFill>
-              </a:rPr>
-              <a:t>    ID: </a:t>
-            </a:r>
-            <a:r>
-              <a:rPr lang="en-US" sz="2000" dirty="0" smtClean="0">
-                <a:solidFill>
-                  <a:schemeClr val="tx1">
-                    <a:lumMod val="75000"/>
-                  </a:schemeClr>
-                </a:solidFill>
-              </a:rPr>
-              <a:t>1712366642</a:t>
-            </a:r>
-            <a:endParaRPr lang="en-US" sz="2000" dirty="0" smtClean="0">
-              <a:solidFill>
-                <a:schemeClr val="tx1">
-                  <a:lumMod val="75000"/>
-                </a:schemeClr>
-              </a:solidFill>
-            </a:endParaRPr>
-          </a:p>
           <a:p>
             <a:pPr>
               <a:lnSpc>
